--- a/Final/TODO_Recordings.pptx
+++ b/Final/TODO_Recordings.pptx
@@ -5,10 +5,10 @@
     <p:sldMasterId id="2147483651" r:id="rId1"/>
   </p:sldMasterIdLst>
   <p:notesMasterIdLst>
-    <p:notesMasterId r:id="rId46"/>
+    <p:notesMasterId r:id="rId45"/>
   </p:notesMasterIdLst>
   <p:handoutMasterIdLst>
-    <p:handoutMasterId r:id="rId47"/>
+    <p:handoutMasterId r:id="rId46"/>
   </p:handoutMasterIdLst>
   <p:sldIdLst>
     <p:sldId id="256" r:id="rId2"/>
@@ -50,11 +50,10 @@
     <p:sldId id="294" r:id="rId38"/>
     <p:sldId id="264" r:id="rId39"/>
     <p:sldId id="281" r:id="rId40"/>
-    <p:sldId id="262" r:id="rId41"/>
-    <p:sldId id="280" r:id="rId42"/>
-    <p:sldId id="296" r:id="rId43"/>
-    <p:sldId id="282" r:id="rId44"/>
-    <p:sldId id="277" r:id="rId45"/>
+    <p:sldId id="280" r:id="rId41"/>
+    <p:sldId id="296" r:id="rId42"/>
+    <p:sldId id="282" r:id="rId43"/>
+    <p:sldId id="277" r:id="rId44"/>
   </p:sldIdLst>
   <p:sldSz cx="9144000" cy="6858000" type="screen4x3"/>
   <p:notesSz cx="6858000" cy="9144000"/>
@@ -227,7 +226,6 @@
             <p14:sldId id="294"/>
             <p14:sldId id="264"/>
             <p14:sldId id="281"/>
-            <p14:sldId id="262"/>
             <p14:sldId id="280"/>
             <p14:sldId id="296"/>
             <p14:sldId id="282"/>
@@ -354,7 +352,7 @@
           <a:p>
             <a:fld id="{F5597993-FE1E-4023-B9F0-77351815C1CA}" type="datetimeFigureOut">
               <a:rPr lang="en-GB" smtClean="0"/>
-              <a:t>05/06/2022</a:t>
+              <a:t>09/06/2022</a:t>
             </a:fld>
             <a:endParaRPr lang="en-GB"/>
           </a:p>
@@ -3197,6 +3195,10 @@
           <a:bodyPr/>
           <a:lstStyle/>
           <a:p>
+            <a:r>
+              <a:rPr lang="en-US" dirty="0" err="1"/>
+              <a:t>Mape</a:t>
+            </a:r>
             <a:endParaRPr lang="en-US" dirty="0"/>
           </a:p>
         </p:txBody>
@@ -12936,8 +12938,8 @@
           </a:p>
         </p:txBody>
       </p:sp>
-      <mc:AlternateContent xmlns:mc="http://schemas.openxmlformats.org/markup-compatibility/2006">
-        <mc:Choice xmlns:a14="http://schemas.microsoft.com/office/drawing/2010/main" Requires="a14">
+      <mc:AlternateContent xmlns:mc="http://schemas.openxmlformats.org/markup-compatibility/2006" xmlns:a14="http://schemas.microsoft.com/office/drawing/2010/main">
+        <mc:Choice Requires="a14">
           <p:sp>
             <p:nvSpPr>
               <p:cNvPr id="50" name="TextBox 10">
@@ -13095,7 +13097,7 @@
             </p:txBody>
           </p:sp>
         </mc:Choice>
-        <mc:Fallback>
+        <mc:Fallback xmlns="">
           <p:sp>
             <p:nvSpPr>
               <p:cNvPr id="50" name="TextBox 10">
@@ -13295,8 +13297,8 @@
           </a:p>
         </p:txBody>
       </p:sp>
-      <mc:AlternateContent xmlns:mc="http://schemas.openxmlformats.org/markup-compatibility/2006">
-        <mc:Choice xmlns:a14="http://schemas.microsoft.com/office/drawing/2010/main" Requires="a14">
+      <mc:AlternateContent xmlns:mc="http://schemas.openxmlformats.org/markup-compatibility/2006" xmlns:a14="http://schemas.microsoft.com/office/drawing/2010/main">
+        <mc:Choice Requires="a14">
           <p:sp>
             <p:nvSpPr>
               <p:cNvPr id="52" name="TextBox 14">
@@ -13506,7 +13508,7 @@
             </p:txBody>
           </p:sp>
         </mc:Choice>
-        <mc:Fallback>
+        <mc:Fallback xmlns="">
           <p:sp>
             <p:nvSpPr>
               <p:cNvPr id="52" name="TextBox 14">
@@ -14289,8 +14291,8 @@
           </a:p>
         </p:txBody>
       </p:sp>
-      <mc:AlternateContent xmlns:mc="http://schemas.openxmlformats.org/markup-compatibility/2006">
-        <mc:Choice xmlns:a14="http://schemas.microsoft.com/office/drawing/2010/main" Requires="a14">
+      <mc:AlternateContent xmlns:mc="http://schemas.openxmlformats.org/markup-compatibility/2006" xmlns:a14="http://schemas.microsoft.com/office/drawing/2010/main">
+        <mc:Choice Requires="a14">
           <p:sp>
             <p:nvSpPr>
               <p:cNvPr id="58" name="TextBox 26">
@@ -14525,7 +14527,7 @@
             </p:txBody>
           </p:sp>
         </mc:Choice>
-        <mc:Fallback>
+        <mc:Fallback xmlns="">
           <p:sp>
             <p:nvSpPr>
               <p:cNvPr id="58" name="TextBox 26">
@@ -15166,8 +15168,8 @@
           </a:p>
         </p:txBody>
       </p:sp>
-      <mc:AlternateContent xmlns:mc="http://schemas.openxmlformats.org/markup-compatibility/2006">
-        <mc:Choice xmlns:a14="http://schemas.microsoft.com/office/drawing/2010/main" Requires="a14">
+      <mc:AlternateContent xmlns:mc="http://schemas.openxmlformats.org/markup-compatibility/2006" xmlns:a14="http://schemas.microsoft.com/office/drawing/2010/main">
+        <mc:Choice Requires="a14">
           <p:sp>
             <p:nvSpPr>
               <p:cNvPr id="63" name="TextBox 31">
@@ -15323,7 +15325,7 @@
             </p:txBody>
           </p:sp>
         </mc:Choice>
-        <mc:Fallback>
+        <mc:Fallback xmlns="">
           <p:sp>
             <p:nvSpPr>
               <p:cNvPr id="63" name="TextBox 31">
@@ -15525,8 +15527,8 @@
           </a:p>
         </p:txBody>
       </p:sp>
-      <mc:AlternateContent xmlns:mc="http://schemas.openxmlformats.org/markup-compatibility/2006">
-        <mc:Choice xmlns:a14="http://schemas.microsoft.com/office/drawing/2010/main" Requires="a14">
+      <mc:AlternateContent xmlns:mc="http://schemas.openxmlformats.org/markup-compatibility/2006" xmlns:a14="http://schemas.microsoft.com/office/drawing/2010/main">
+        <mc:Choice Requires="a14">
           <p:sp>
             <p:nvSpPr>
               <p:cNvPr id="65" name="TextBox 33">
@@ -15704,7 +15706,7 @@
             </p:txBody>
           </p:sp>
         </mc:Choice>
-        <mc:Fallback>
+        <mc:Fallback xmlns="">
           <p:sp>
             <p:nvSpPr>
               <p:cNvPr id="65" name="TextBox 33">
@@ -16394,8 +16396,8 @@
           </a:p>
         </p:txBody>
       </p:sp>
-      <mc:AlternateContent xmlns:mc="http://schemas.openxmlformats.org/markup-compatibility/2006">
-        <mc:Choice xmlns:a14="http://schemas.microsoft.com/office/drawing/2010/main" Requires="a14">
+      <mc:AlternateContent xmlns:mc="http://schemas.openxmlformats.org/markup-compatibility/2006" xmlns:a14="http://schemas.microsoft.com/office/drawing/2010/main">
+        <mc:Choice Requires="a14">
           <p:sp>
             <p:nvSpPr>
               <p:cNvPr id="50" name="TextBox 10">
@@ -16553,7 +16555,7 @@
             </p:txBody>
           </p:sp>
         </mc:Choice>
-        <mc:Fallback>
+        <mc:Fallback xmlns="">
           <p:sp>
             <p:nvSpPr>
               <p:cNvPr id="50" name="TextBox 10">
@@ -16753,8 +16755,8 @@
           </a:p>
         </p:txBody>
       </p:sp>
-      <mc:AlternateContent xmlns:mc="http://schemas.openxmlformats.org/markup-compatibility/2006">
-        <mc:Choice xmlns:a14="http://schemas.microsoft.com/office/drawing/2010/main" Requires="a14">
+      <mc:AlternateContent xmlns:mc="http://schemas.openxmlformats.org/markup-compatibility/2006" xmlns:a14="http://schemas.microsoft.com/office/drawing/2010/main">
+        <mc:Choice Requires="a14">
           <p:sp>
             <p:nvSpPr>
               <p:cNvPr id="52" name="TextBox 14">
@@ -16964,7 +16966,7 @@
             </p:txBody>
           </p:sp>
         </mc:Choice>
-        <mc:Fallback>
+        <mc:Fallback xmlns="">
           <p:sp>
             <p:nvSpPr>
               <p:cNvPr id="52" name="TextBox 14">
@@ -17747,8 +17749,8 @@
           </a:p>
         </p:txBody>
       </p:sp>
-      <mc:AlternateContent xmlns:mc="http://schemas.openxmlformats.org/markup-compatibility/2006">
-        <mc:Choice xmlns:a14="http://schemas.microsoft.com/office/drawing/2010/main" Requires="a14">
+      <mc:AlternateContent xmlns:mc="http://schemas.openxmlformats.org/markup-compatibility/2006" xmlns:a14="http://schemas.microsoft.com/office/drawing/2010/main">
+        <mc:Choice Requires="a14">
           <p:sp>
             <p:nvSpPr>
               <p:cNvPr id="58" name="TextBox 26">
@@ -17983,7 +17985,7 @@
             </p:txBody>
           </p:sp>
         </mc:Choice>
-        <mc:Fallback>
+        <mc:Fallback xmlns="">
           <p:sp>
             <p:nvSpPr>
               <p:cNvPr id="58" name="TextBox 26">
@@ -18624,8 +18626,8 @@
           </a:p>
         </p:txBody>
       </p:sp>
-      <mc:AlternateContent xmlns:mc="http://schemas.openxmlformats.org/markup-compatibility/2006">
-        <mc:Choice xmlns:a14="http://schemas.microsoft.com/office/drawing/2010/main" Requires="a14">
+      <mc:AlternateContent xmlns:mc="http://schemas.openxmlformats.org/markup-compatibility/2006" xmlns:a14="http://schemas.microsoft.com/office/drawing/2010/main">
+        <mc:Choice Requires="a14">
           <p:sp>
             <p:nvSpPr>
               <p:cNvPr id="63" name="TextBox 31">
@@ -18781,7 +18783,7 @@
             </p:txBody>
           </p:sp>
         </mc:Choice>
-        <mc:Fallback>
+        <mc:Fallback xmlns="">
           <p:sp>
             <p:nvSpPr>
               <p:cNvPr id="63" name="TextBox 31">
@@ -18983,8 +18985,8 @@
           </a:p>
         </p:txBody>
       </p:sp>
-      <mc:AlternateContent xmlns:mc="http://schemas.openxmlformats.org/markup-compatibility/2006">
-        <mc:Choice xmlns:a14="http://schemas.microsoft.com/office/drawing/2010/main" Requires="a14">
+      <mc:AlternateContent xmlns:mc="http://schemas.openxmlformats.org/markup-compatibility/2006" xmlns:a14="http://schemas.microsoft.com/office/drawing/2010/main">
+        <mc:Choice Requires="a14">
           <p:sp>
             <p:nvSpPr>
               <p:cNvPr id="65" name="TextBox 33">
@@ -19162,7 +19164,7 @@
             </p:txBody>
           </p:sp>
         </mc:Choice>
-        <mc:Fallback>
+        <mc:Fallback xmlns="">
           <p:sp>
             <p:nvSpPr>
               <p:cNvPr id="65" name="TextBox 33">
@@ -19886,8 +19888,8 @@
           </a:p>
         </p:txBody>
       </p:sp>
-      <mc:AlternateContent xmlns:mc="http://schemas.openxmlformats.org/markup-compatibility/2006">
-        <mc:Choice xmlns:a14="http://schemas.microsoft.com/office/drawing/2010/main" Requires="a14">
+      <mc:AlternateContent xmlns:mc="http://schemas.openxmlformats.org/markup-compatibility/2006" xmlns:a14="http://schemas.microsoft.com/office/drawing/2010/main">
+        <mc:Choice Requires="a14">
           <p:sp>
             <p:nvSpPr>
               <p:cNvPr id="50" name="TextBox 10">
@@ -20045,7 +20047,7 @@
             </p:txBody>
           </p:sp>
         </mc:Choice>
-        <mc:Fallback>
+        <mc:Fallback xmlns="">
           <p:sp>
             <p:nvSpPr>
               <p:cNvPr id="50" name="TextBox 10">
@@ -20245,8 +20247,8 @@
           </a:p>
         </p:txBody>
       </p:sp>
-      <mc:AlternateContent xmlns:mc="http://schemas.openxmlformats.org/markup-compatibility/2006">
-        <mc:Choice xmlns:a14="http://schemas.microsoft.com/office/drawing/2010/main" Requires="a14">
+      <mc:AlternateContent xmlns:mc="http://schemas.openxmlformats.org/markup-compatibility/2006" xmlns:a14="http://schemas.microsoft.com/office/drawing/2010/main">
+        <mc:Choice Requires="a14">
           <p:sp>
             <p:nvSpPr>
               <p:cNvPr id="52" name="TextBox 14">
@@ -20456,7 +20458,7 @@
             </p:txBody>
           </p:sp>
         </mc:Choice>
-        <mc:Fallback>
+        <mc:Fallback xmlns="">
           <p:sp>
             <p:nvSpPr>
               <p:cNvPr id="52" name="TextBox 14">
@@ -21239,8 +21241,8 @@
           </a:p>
         </p:txBody>
       </p:sp>
-      <mc:AlternateContent xmlns:mc="http://schemas.openxmlformats.org/markup-compatibility/2006">
-        <mc:Choice xmlns:a14="http://schemas.microsoft.com/office/drawing/2010/main" Requires="a14">
+      <mc:AlternateContent xmlns:mc="http://schemas.openxmlformats.org/markup-compatibility/2006" xmlns:a14="http://schemas.microsoft.com/office/drawing/2010/main">
+        <mc:Choice Requires="a14">
           <p:sp>
             <p:nvSpPr>
               <p:cNvPr id="58" name="TextBox 26">
@@ -21475,7 +21477,7 @@
             </p:txBody>
           </p:sp>
         </mc:Choice>
-        <mc:Fallback>
+        <mc:Fallback xmlns="">
           <p:sp>
             <p:nvSpPr>
               <p:cNvPr id="58" name="TextBox 26">
@@ -22116,8 +22118,8 @@
           </a:p>
         </p:txBody>
       </p:sp>
-      <mc:AlternateContent xmlns:mc="http://schemas.openxmlformats.org/markup-compatibility/2006">
-        <mc:Choice xmlns:a14="http://schemas.microsoft.com/office/drawing/2010/main" Requires="a14">
+      <mc:AlternateContent xmlns:mc="http://schemas.openxmlformats.org/markup-compatibility/2006" xmlns:a14="http://schemas.microsoft.com/office/drawing/2010/main">
+        <mc:Choice Requires="a14">
           <p:sp>
             <p:nvSpPr>
               <p:cNvPr id="63" name="TextBox 31">
@@ -22273,7 +22275,7 @@
             </p:txBody>
           </p:sp>
         </mc:Choice>
-        <mc:Fallback>
+        <mc:Fallback xmlns="">
           <p:sp>
             <p:nvSpPr>
               <p:cNvPr id="63" name="TextBox 31">
@@ -22475,8 +22477,8 @@
           </a:p>
         </p:txBody>
       </p:sp>
-      <mc:AlternateContent xmlns:mc="http://schemas.openxmlformats.org/markup-compatibility/2006">
-        <mc:Choice xmlns:a14="http://schemas.microsoft.com/office/drawing/2010/main" Requires="a14">
+      <mc:AlternateContent xmlns:mc="http://schemas.openxmlformats.org/markup-compatibility/2006" xmlns:a14="http://schemas.microsoft.com/office/drawing/2010/main">
+        <mc:Choice Requires="a14">
           <p:sp>
             <p:nvSpPr>
               <p:cNvPr id="65" name="TextBox 33">
@@ -22654,7 +22656,7 @@
             </p:txBody>
           </p:sp>
         </mc:Choice>
-        <mc:Fallback>
+        <mc:Fallback xmlns="">
           <p:sp>
             <p:nvSpPr>
               <p:cNvPr id="65" name="TextBox 33">
@@ -23374,8 +23376,8 @@
           </a:p>
         </p:txBody>
       </p:sp>
-      <mc:AlternateContent xmlns:mc="http://schemas.openxmlformats.org/markup-compatibility/2006">
-        <mc:Choice xmlns:a14="http://schemas.microsoft.com/office/drawing/2010/main" Requires="a14">
+      <mc:AlternateContent xmlns:mc="http://schemas.openxmlformats.org/markup-compatibility/2006" xmlns:a14="http://schemas.microsoft.com/office/drawing/2010/main">
+        <mc:Choice Requires="a14">
           <p:sp>
             <p:nvSpPr>
               <p:cNvPr id="50" name="TextBox 10">
@@ -23533,7 +23535,7 @@
             </p:txBody>
           </p:sp>
         </mc:Choice>
-        <mc:Fallback>
+        <mc:Fallback xmlns="">
           <p:sp>
             <p:nvSpPr>
               <p:cNvPr id="50" name="TextBox 10">
@@ -23733,8 +23735,8 @@
           </a:p>
         </p:txBody>
       </p:sp>
-      <mc:AlternateContent xmlns:mc="http://schemas.openxmlformats.org/markup-compatibility/2006">
-        <mc:Choice xmlns:a14="http://schemas.microsoft.com/office/drawing/2010/main" Requires="a14">
+      <mc:AlternateContent xmlns:mc="http://schemas.openxmlformats.org/markup-compatibility/2006" xmlns:a14="http://schemas.microsoft.com/office/drawing/2010/main">
+        <mc:Choice Requires="a14">
           <p:sp>
             <p:nvSpPr>
               <p:cNvPr id="52" name="TextBox 14">
@@ -23944,7 +23946,7 @@
             </p:txBody>
           </p:sp>
         </mc:Choice>
-        <mc:Fallback>
+        <mc:Fallback xmlns="">
           <p:sp>
             <p:nvSpPr>
               <p:cNvPr id="52" name="TextBox 14">
@@ -24719,8 +24721,8 @@
           </a:p>
         </p:txBody>
       </p:sp>
-      <mc:AlternateContent xmlns:mc="http://schemas.openxmlformats.org/markup-compatibility/2006">
-        <mc:Choice xmlns:a14="http://schemas.microsoft.com/office/drawing/2010/main" Requires="a14">
+      <mc:AlternateContent xmlns:mc="http://schemas.openxmlformats.org/markup-compatibility/2006" xmlns:a14="http://schemas.microsoft.com/office/drawing/2010/main">
+        <mc:Choice Requires="a14">
           <p:sp>
             <p:nvSpPr>
               <p:cNvPr id="58" name="TextBox 26">
@@ -24955,7 +24957,7 @@
             </p:txBody>
           </p:sp>
         </mc:Choice>
-        <mc:Fallback>
+        <mc:Fallback xmlns="">
           <p:sp>
             <p:nvSpPr>
               <p:cNvPr id="58" name="TextBox 26">
@@ -25596,8 +25598,8 @@
           </a:p>
         </p:txBody>
       </p:sp>
-      <mc:AlternateContent xmlns:mc="http://schemas.openxmlformats.org/markup-compatibility/2006">
-        <mc:Choice xmlns:a14="http://schemas.microsoft.com/office/drawing/2010/main" Requires="a14">
+      <mc:AlternateContent xmlns:mc="http://schemas.openxmlformats.org/markup-compatibility/2006" xmlns:a14="http://schemas.microsoft.com/office/drawing/2010/main">
+        <mc:Choice Requires="a14">
           <p:sp>
             <p:nvSpPr>
               <p:cNvPr id="63" name="TextBox 31">
@@ -25753,7 +25755,7 @@
             </p:txBody>
           </p:sp>
         </mc:Choice>
-        <mc:Fallback>
+        <mc:Fallback xmlns="">
           <p:sp>
             <p:nvSpPr>
               <p:cNvPr id="63" name="TextBox 31">
@@ -25955,8 +25957,8 @@
           </a:p>
         </p:txBody>
       </p:sp>
-      <mc:AlternateContent xmlns:mc="http://schemas.openxmlformats.org/markup-compatibility/2006">
-        <mc:Choice xmlns:a14="http://schemas.microsoft.com/office/drawing/2010/main" Requires="a14">
+      <mc:AlternateContent xmlns:mc="http://schemas.openxmlformats.org/markup-compatibility/2006" xmlns:a14="http://schemas.microsoft.com/office/drawing/2010/main">
+        <mc:Choice Requires="a14">
           <p:sp>
             <p:nvSpPr>
               <p:cNvPr id="65" name="TextBox 33">
@@ -26134,7 +26136,7 @@
             </p:txBody>
           </p:sp>
         </mc:Choice>
-        <mc:Fallback>
+        <mc:Fallback xmlns="">
           <p:sp>
             <p:nvSpPr>
               <p:cNvPr id="65" name="TextBox 33">
@@ -27648,17 +27650,6 @@
                 </a:solidFill>
               </a:rPr>
               <a:t>Mean absolute percentage error</a:t>
-            </a:r>
-          </a:p>
-          <a:p>
-            <a:pPr lvl="1"/>
-            <a:r>
-              <a:rPr lang="en-US" dirty="0">
-                <a:solidFill>
-                  <a:schemeClr val="accent1"/>
-                </a:solidFill>
-              </a:rPr>
-              <a:t>Median absolute percentage error</a:t>
             </a:r>
           </a:p>
         </p:txBody>
@@ -27915,17 +27906,6 @@
               <a:t>Mean absolute percentage error</a:t>
             </a:r>
           </a:p>
-          <a:p>
-            <a:pPr lvl="1"/>
-            <a:r>
-              <a:rPr lang="en-US" dirty="0">
-                <a:solidFill>
-                  <a:schemeClr val="accent1"/>
-                </a:solidFill>
-              </a:rPr>
-              <a:t>Median absolute percentage error</a:t>
-            </a:r>
-          </a:p>
         </p:txBody>
       </p:sp>
       <p:sp>
@@ -28179,13 +28159,6 @@
               <a:t>Mean absolute percentage error</a:t>
             </a:r>
           </a:p>
-          <a:p>
-            <a:pPr lvl="1"/>
-            <a:r>
-              <a:rPr lang="en-US" dirty="0"/>
-              <a:t>Median absolute percentage error</a:t>
-            </a:r>
-          </a:p>
         </p:txBody>
       </p:sp>
       <p:sp>
@@ -28289,10 +28262,10 @@
       </p:sp>
       <p:pic>
         <p:nvPicPr>
-          <p:cNvPr id="9" name="Picture 8">
+          <p:cNvPr id="8" name="Picture 7">
             <a:extLst>
               <a:ext uri="{FF2B5EF4-FFF2-40B4-BE49-F238E27FC236}">
-                <a16:creationId xmlns:a16="http://schemas.microsoft.com/office/drawing/2014/main" id="{E14E75D7-A958-E38E-9879-30198056D95F}"/>
+                <a16:creationId xmlns:a16="http://schemas.microsoft.com/office/drawing/2014/main" id="{0CC5886C-54A4-96D3-ABBF-587EADEF6DE4}"/>
               </a:ext>
             </a:extLst>
           </p:cNvPr>
@@ -28309,8 +28282,8 @@
         </p:blipFill>
         <p:spPr>
           <a:xfrm>
-            <a:off x="457200" y="4462041"/>
-            <a:ext cx="8369566" cy="990600"/>
+            <a:off x="2133600" y="4886912"/>
+            <a:ext cx="3955123" cy="548688"/>
           </a:xfrm>
           <a:prstGeom prst="rect">
             <a:avLst/>
@@ -29037,68 +29010,6 @@
       </p:sp>
       <p:sp>
         <p:nvSpPr>
-          <p:cNvPr id="3" name="Text Placeholder 2">
-            <a:extLst>
-              <a:ext uri="{FF2B5EF4-FFF2-40B4-BE49-F238E27FC236}">
-                <a16:creationId xmlns:a16="http://schemas.microsoft.com/office/drawing/2014/main" id="{B41236E9-7BC9-4FB3-AA65-013C25867357}"/>
-              </a:ext>
-            </a:extLst>
-          </p:cNvPr>
-          <p:cNvSpPr>
-            <a:spLocks noGrp="1"/>
-          </p:cNvSpPr>
-          <p:nvPr>
-            <p:ph type="body" idx="1"/>
-          </p:nvPr>
-        </p:nvSpPr>
-        <p:spPr>
-          <a:xfrm>
-            <a:off x="457200" y="1447799"/>
-            <a:ext cx="4724400" cy="639762"/>
-          </a:xfrm>
-        </p:spPr>
-        <p:txBody>
-          <a:bodyPr/>
-          <a:lstStyle/>
-          <a:p>
-            <a:r>
-              <a:rPr lang="en-US" dirty="0"/>
-              <a:t>Percentage errors histograms</a:t>
-            </a:r>
-          </a:p>
-        </p:txBody>
-      </p:sp>
-      <p:pic>
-        <p:nvPicPr>
-          <p:cNvPr id="11" name="Content Placeholder 10" descr="Chart, histogram&#10;&#10;Description automatically generated">
-            <a:extLst>
-              <a:ext uri="{FF2B5EF4-FFF2-40B4-BE49-F238E27FC236}">
-                <a16:creationId xmlns:a16="http://schemas.microsoft.com/office/drawing/2014/main" id="{925D651B-AC31-A979-ED82-73B036D34C36}"/>
-              </a:ext>
-            </a:extLst>
-          </p:cNvPr>
-          <p:cNvPicPr>
-            <a:picLocks noGrp="1" noChangeAspect="1"/>
-          </p:cNvPicPr>
-          <p:nvPr>
-            <p:ph sz="half" idx="2"/>
-          </p:nvPr>
-        </p:nvPicPr>
-        <p:blipFill>
-          <a:blip r:embed="rId2"/>
-          <a:stretch>
-            <a:fillRect/>
-          </a:stretch>
-        </p:blipFill>
-        <p:spPr>
-          <a:xfrm>
-            <a:off x="609600" y="2209800"/>
-            <a:ext cx="7521490" cy="3816282"/>
-          </a:xfrm>
-        </p:spPr>
-      </p:pic>
-      <p:sp>
-        <p:nvSpPr>
           <p:cNvPr id="7" name="Date Placeholder 6">
             <a:extLst>
               <a:ext uri="{FF2B5EF4-FFF2-40B4-BE49-F238E27FC236}">
@@ -29159,163 +29070,6 @@
                 <a:defRPr/>
               </a:pPr>
               <a:t>40</a:t>
-            </a:fld>
-            <a:endParaRPr lang="en-US"/>
-          </a:p>
-        </p:txBody>
-      </p:sp>
-      <p:sp>
-        <p:nvSpPr>
-          <p:cNvPr id="9" name="Footer Placeholder 8">
-            <a:extLst>
-              <a:ext uri="{FF2B5EF4-FFF2-40B4-BE49-F238E27FC236}">
-                <a16:creationId xmlns:a16="http://schemas.microsoft.com/office/drawing/2014/main" id="{9F180D53-39B3-155A-8828-01E9BBB68C96}"/>
-              </a:ext>
-            </a:extLst>
-          </p:cNvPr>
-          <p:cNvSpPr>
-            <a:spLocks noGrp="1"/>
-          </p:cNvSpPr>
-          <p:nvPr>
-            <p:ph type="ftr" sz="quarter" idx="12"/>
-          </p:nvPr>
-        </p:nvSpPr>
-        <p:spPr/>
-        <p:txBody>
-          <a:bodyPr/>
-          <a:lstStyle/>
-          <a:p>
-            <a:pPr>
-              <a:defRPr/>
-            </a:pPr>
-            <a:r>
-              <a:rPr lang="en-US"/>
-              <a:t>2022 Herrick Conferences</a:t>
-            </a:r>
-            <a:endParaRPr lang="en-US" dirty="0"/>
-          </a:p>
-        </p:txBody>
-      </p:sp>
-    </p:spTree>
-    <p:extLst>
-      <p:ext uri="{BB962C8B-B14F-4D97-AF65-F5344CB8AC3E}">
-        <p14:creationId xmlns:p14="http://schemas.microsoft.com/office/powerpoint/2010/main" val="3889906355"/>
-      </p:ext>
-    </p:extLst>
-  </p:cSld>
-  <p:clrMapOvr>
-    <a:masterClrMapping/>
-  </p:clrMapOvr>
-</p:sld>
-</file>
-
-<file path=ppt/slides/slide41.xml><?xml version="1.0" encoding="utf-8"?>
-<p:sld xmlns:a="http://schemas.openxmlformats.org/drawingml/2006/main" xmlns:r="http://schemas.openxmlformats.org/officeDocument/2006/relationships" xmlns:p="http://schemas.openxmlformats.org/presentationml/2006/main">
-  <p:cSld>
-    <p:spTree>
-      <p:nvGrpSpPr>
-        <p:cNvPr id="1" name=""/>
-        <p:cNvGrpSpPr/>
-        <p:nvPr/>
-      </p:nvGrpSpPr>
-      <p:grpSpPr>
-        <a:xfrm>
-          <a:off x="0" y="0"/>
-          <a:ext cx="0" cy="0"/>
-          <a:chOff x="0" y="0"/>
-          <a:chExt cx="0" cy="0"/>
-        </a:xfrm>
-      </p:grpSpPr>
-      <p:sp>
-        <p:nvSpPr>
-          <p:cNvPr id="2" name="Title 1">
-            <a:extLst>
-              <a:ext uri="{FF2B5EF4-FFF2-40B4-BE49-F238E27FC236}">
-                <a16:creationId xmlns:a16="http://schemas.microsoft.com/office/drawing/2014/main" id="{A6D5047C-C3F4-7513-53C2-EC6A231B33E3}"/>
-              </a:ext>
-            </a:extLst>
-          </p:cNvPr>
-          <p:cNvSpPr>
-            <a:spLocks noGrp="1"/>
-          </p:cNvSpPr>
-          <p:nvPr>
-            <p:ph type="title"/>
-          </p:nvPr>
-        </p:nvSpPr>
-        <p:spPr/>
-        <p:txBody>
-          <a:bodyPr/>
-          <a:lstStyle/>
-          <a:p>
-            <a:r>
-              <a:rPr lang="en-US" dirty="0"/>
-              <a:t>Performance</a:t>
-            </a:r>
-          </a:p>
-        </p:txBody>
-      </p:sp>
-      <p:sp>
-        <p:nvSpPr>
-          <p:cNvPr id="7" name="Date Placeholder 6">
-            <a:extLst>
-              <a:ext uri="{FF2B5EF4-FFF2-40B4-BE49-F238E27FC236}">
-                <a16:creationId xmlns:a16="http://schemas.microsoft.com/office/drawing/2014/main" id="{E20731A9-9412-ED4E-3F21-CB674E8B3793}"/>
-              </a:ext>
-            </a:extLst>
-          </p:cNvPr>
-          <p:cNvSpPr>
-            <a:spLocks noGrp="1"/>
-          </p:cNvSpPr>
-          <p:nvPr>
-            <p:ph type="dt" sz="half" idx="10"/>
-          </p:nvPr>
-        </p:nvSpPr>
-        <p:spPr/>
-        <p:txBody>
-          <a:bodyPr/>
-          <a:lstStyle/>
-          <a:p>
-            <a:pPr>
-              <a:defRPr/>
-            </a:pPr>
-            <a:r>
-              <a:rPr lang="en-US"/>
-              <a:t>July 11-14, 2022</a:t>
-            </a:r>
-            <a:endParaRPr lang="en-US" dirty="0"/>
-          </a:p>
-        </p:txBody>
-      </p:sp>
-      <p:sp>
-        <p:nvSpPr>
-          <p:cNvPr id="8" name="Slide Number Placeholder 7">
-            <a:extLst>
-              <a:ext uri="{FF2B5EF4-FFF2-40B4-BE49-F238E27FC236}">
-                <a16:creationId xmlns:a16="http://schemas.microsoft.com/office/drawing/2014/main" id="{3D9ED473-4EC7-43F2-4CA3-48D10169601E}"/>
-              </a:ext>
-            </a:extLst>
-          </p:cNvPr>
-          <p:cNvSpPr>
-            <a:spLocks noGrp="1"/>
-          </p:cNvSpPr>
-          <p:nvPr>
-            <p:ph type="sldNum" sz="quarter" idx="11"/>
-          </p:nvPr>
-        </p:nvSpPr>
-        <p:spPr/>
-        <p:txBody>
-          <a:bodyPr/>
-          <a:lstStyle/>
-          <a:p>
-            <a:pPr>
-              <a:defRPr/>
-            </a:pPr>
-            <a:fld id="{1E57C62F-2C2C-45E4-AC87-915A63DE9F1F}" type="slidenum">
-              <a:rPr lang="en-US" smtClean="0"/>
-              <a:pPr>
-                <a:defRPr/>
-              </a:pPr>
-              <a:t>41</a:t>
             </a:fld>
             <a:endParaRPr lang="en-US"/>
           </a:p>
@@ -29396,7 +29150,7 @@
 </p:sld>
 </file>
 
-<file path=ppt/slides/slide42.xml><?xml version="1.0" encoding="utf-8"?>
+<file path=ppt/slides/slide41.xml><?xml version="1.0" encoding="utf-8"?>
 <p:sld xmlns:a="http://schemas.openxmlformats.org/drawingml/2006/main" xmlns:r="http://schemas.openxmlformats.org/officeDocument/2006/relationships" xmlns:p="http://schemas.openxmlformats.org/presentationml/2006/main">
   <p:cSld>
     <p:spTree>
@@ -29502,7 +29256,7 @@
               <a:pPr>
                 <a:defRPr/>
               </a:pPr>
-              <a:t>42</a:t>
+              <a:t>41</a:t>
             </a:fld>
             <a:endParaRPr lang="en-US"/>
           </a:p>
@@ -29590,6 +29344,272 @@
 </p:sld>
 </file>
 
+<file path=ppt/slides/slide42.xml><?xml version="1.0" encoding="utf-8"?>
+<p:sld xmlns:a="http://schemas.openxmlformats.org/drawingml/2006/main" xmlns:r="http://schemas.openxmlformats.org/officeDocument/2006/relationships" xmlns:p="http://schemas.openxmlformats.org/presentationml/2006/main">
+  <p:cSld>
+    <p:spTree>
+      <p:nvGrpSpPr>
+        <p:cNvPr id="1" name=""/>
+        <p:cNvGrpSpPr/>
+        <p:nvPr/>
+      </p:nvGrpSpPr>
+      <p:grpSpPr>
+        <a:xfrm>
+          <a:off x="0" y="0"/>
+          <a:ext cx="0" cy="0"/>
+          <a:chOff x="0" y="0"/>
+          <a:chExt cx="0" cy="0"/>
+        </a:xfrm>
+      </p:grpSpPr>
+      <p:sp>
+        <p:nvSpPr>
+          <p:cNvPr id="2" name="Title 1">
+            <a:extLst>
+              <a:ext uri="{FF2B5EF4-FFF2-40B4-BE49-F238E27FC236}">
+                <a16:creationId xmlns:a16="http://schemas.microsoft.com/office/drawing/2014/main" id="{F2274B94-1DC1-7A87-E38B-8A3090D5FCD1}"/>
+              </a:ext>
+            </a:extLst>
+          </p:cNvPr>
+          <p:cNvSpPr>
+            <a:spLocks noGrp="1"/>
+          </p:cNvSpPr>
+          <p:nvPr>
+            <p:ph type="title"/>
+          </p:nvPr>
+        </p:nvSpPr>
+        <p:spPr/>
+        <p:txBody>
+          <a:bodyPr/>
+          <a:lstStyle/>
+          <a:p>
+            <a:r>
+              <a:rPr lang="en-US" dirty="0"/>
+              <a:t>Q &amp; A</a:t>
+            </a:r>
+          </a:p>
+        </p:txBody>
+      </p:sp>
+      <p:sp>
+        <p:nvSpPr>
+          <p:cNvPr id="3" name="Text Placeholder 2">
+            <a:extLst>
+              <a:ext uri="{FF2B5EF4-FFF2-40B4-BE49-F238E27FC236}">
+                <a16:creationId xmlns:a16="http://schemas.microsoft.com/office/drawing/2014/main" id="{82CA4AFC-8DCA-8546-CD70-1980E0082CB3}"/>
+              </a:ext>
+            </a:extLst>
+          </p:cNvPr>
+          <p:cNvSpPr>
+            <a:spLocks noGrp="1"/>
+          </p:cNvSpPr>
+          <p:nvPr>
+            <p:ph type="body" idx="1"/>
+          </p:nvPr>
+        </p:nvSpPr>
+        <p:spPr/>
+        <p:txBody>
+          <a:bodyPr/>
+          <a:lstStyle/>
+          <a:p>
+            <a:endParaRPr lang="en-US"/>
+          </a:p>
+        </p:txBody>
+      </p:sp>
+      <p:sp>
+        <p:nvSpPr>
+          <p:cNvPr id="4" name="Content Placeholder 3">
+            <a:extLst>
+              <a:ext uri="{FF2B5EF4-FFF2-40B4-BE49-F238E27FC236}">
+                <a16:creationId xmlns:a16="http://schemas.microsoft.com/office/drawing/2014/main" id="{9F699A8B-BB5B-BC60-3AD8-9D329C40C0C6}"/>
+              </a:ext>
+            </a:extLst>
+          </p:cNvPr>
+          <p:cNvSpPr>
+            <a:spLocks noGrp="1"/>
+          </p:cNvSpPr>
+          <p:nvPr>
+            <p:ph sz="half" idx="2"/>
+          </p:nvPr>
+        </p:nvSpPr>
+        <p:spPr/>
+        <p:txBody>
+          <a:bodyPr/>
+          <a:lstStyle/>
+          <a:p>
+            <a:r>
+              <a:rPr lang="en-US" dirty="0"/>
+              <a:t>Why GGMR is necessary</a:t>
+            </a:r>
+          </a:p>
+          <a:p>
+            <a:r>
+              <a:rPr lang="en-US" dirty="0"/>
+              <a:t>Have you tried other features for GGMR?</a:t>
+            </a:r>
+          </a:p>
+        </p:txBody>
+      </p:sp>
+      <p:sp>
+        <p:nvSpPr>
+          <p:cNvPr id="5" name="Text Placeholder 4">
+            <a:extLst>
+              <a:ext uri="{FF2B5EF4-FFF2-40B4-BE49-F238E27FC236}">
+                <a16:creationId xmlns:a16="http://schemas.microsoft.com/office/drawing/2014/main" id="{5FA7353E-832B-6F1E-309E-40189D99E26A}"/>
+              </a:ext>
+            </a:extLst>
+          </p:cNvPr>
+          <p:cNvSpPr>
+            <a:spLocks noGrp="1"/>
+          </p:cNvSpPr>
+          <p:nvPr>
+            <p:ph type="body" sz="quarter" idx="3"/>
+          </p:nvPr>
+        </p:nvSpPr>
+        <p:spPr/>
+        <p:txBody>
+          <a:bodyPr/>
+          <a:lstStyle/>
+          <a:p>
+            <a:endParaRPr lang="en-US"/>
+          </a:p>
+        </p:txBody>
+      </p:sp>
+      <p:sp>
+        <p:nvSpPr>
+          <p:cNvPr id="6" name="Content Placeholder 5">
+            <a:extLst>
+              <a:ext uri="{FF2B5EF4-FFF2-40B4-BE49-F238E27FC236}">
+                <a16:creationId xmlns:a16="http://schemas.microsoft.com/office/drawing/2014/main" id="{A5BD6736-C342-EED0-DD34-4628A95EE2AD}"/>
+              </a:ext>
+            </a:extLst>
+          </p:cNvPr>
+          <p:cNvSpPr>
+            <a:spLocks noGrp="1"/>
+          </p:cNvSpPr>
+          <p:nvPr>
+            <p:ph sz="quarter" idx="4"/>
+          </p:nvPr>
+        </p:nvSpPr>
+        <p:spPr/>
+        <p:txBody>
+          <a:bodyPr/>
+          <a:lstStyle/>
+          <a:p>
+            <a:endParaRPr lang="en-US"/>
+          </a:p>
+        </p:txBody>
+      </p:sp>
+      <p:sp>
+        <p:nvSpPr>
+          <p:cNvPr id="7" name="Date Placeholder 6">
+            <a:extLst>
+              <a:ext uri="{FF2B5EF4-FFF2-40B4-BE49-F238E27FC236}">
+                <a16:creationId xmlns:a16="http://schemas.microsoft.com/office/drawing/2014/main" id="{47D5D287-2469-BBCC-D487-468A9F9113F7}"/>
+              </a:ext>
+            </a:extLst>
+          </p:cNvPr>
+          <p:cNvSpPr>
+            <a:spLocks noGrp="1"/>
+          </p:cNvSpPr>
+          <p:nvPr>
+            <p:ph type="dt" sz="half" idx="10"/>
+          </p:nvPr>
+        </p:nvSpPr>
+        <p:spPr/>
+        <p:txBody>
+          <a:bodyPr/>
+          <a:lstStyle/>
+          <a:p>
+            <a:pPr>
+              <a:defRPr/>
+            </a:pPr>
+            <a:r>
+              <a:rPr lang="en-US"/>
+              <a:t>July 11-14, 2022</a:t>
+            </a:r>
+            <a:endParaRPr lang="en-US" dirty="0"/>
+          </a:p>
+        </p:txBody>
+      </p:sp>
+      <p:sp>
+        <p:nvSpPr>
+          <p:cNvPr id="8" name="Slide Number Placeholder 7">
+            <a:extLst>
+              <a:ext uri="{FF2B5EF4-FFF2-40B4-BE49-F238E27FC236}">
+                <a16:creationId xmlns:a16="http://schemas.microsoft.com/office/drawing/2014/main" id="{E3C6EAE1-4966-3B02-3E26-46F10D6350C0}"/>
+              </a:ext>
+            </a:extLst>
+          </p:cNvPr>
+          <p:cNvSpPr>
+            <a:spLocks noGrp="1"/>
+          </p:cNvSpPr>
+          <p:nvPr>
+            <p:ph type="sldNum" sz="quarter" idx="11"/>
+          </p:nvPr>
+        </p:nvSpPr>
+        <p:spPr/>
+        <p:txBody>
+          <a:bodyPr/>
+          <a:lstStyle/>
+          <a:p>
+            <a:pPr>
+              <a:defRPr/>
+            </a:pPr>
+            <a:fld id="{1E57C62F-2C2C-45E4-AC87-915A63DE9F1F}" type="slidenum">
+              <a:rPr lang="en-US" smtClean="0"/>
+              <a:pPr>
+                <a:defRPr/>
+              </a:pPr>
+              <a:t>42</a:t>
+            </a:fld>
+            <a:endParaRPr lang="en-US"/>
+          </a:p>
+        </p:txBody>
+      </p:sp>
+      <p:sp>
+        <p:nvSpPr>
+          <p:cNvPr id="9" name="Footer Placeholder 8">
+            <a:extLst>
+              <a:ext uri="{FF2B5EF4-FFF2-40B4-BE49-F238E27FC236}">
+                <a16:creationId xmlns:a16="http://schemas.microsoft.com/office/drawing/2014/main" id="{78FF2B4D-1A41-0EDF-FE42-D51735A86F14}"/>
+              </a:ext>
+            </a:extLst>
+          </p:cNvPr>
+          <p:cNvSpPr>
+            <a:spLocks noGrp="1"/>
+          </p:cNvSpPr>
+          <p:nvPr>
+            <p:ph type="ftr" sz="quarter" idx="12"/>
+          </p:nvPr>
+        </p:nvSpPr>
+        <p:spPr/>
+        <p:txBody>
+          <a:bodyPr/>
+          <a:lstStyle/>
+          <a:p>
+            <a:pPr>
+              <a:defRPr/>
+            </a:pPr>
+            <a:r>
+              <a:rPr lang="en-US"/>
+              <a:t>2022 Herrick Conferences</a:t>
+            </a:r>
+            <a:endParaRPr lang="en-US" dirty="0"/>
+          </a:p>
+        </p:txBody>
+      </p:sp>
+    </p:spTree>
+    <p:extLst>
+      <p:ext uri="{BB962C8B-B14F-4D97-AF65-F5344CB8AC3E}">
+        <p14:creationId xmlns:p14="http://schemas.microsoft.com/office/powerpoint/2010/main" val="3953193744"/>
+      </p:ext>
+    </p:extLst>
+  </p:cSld>
+  <p:clrMapOvr>
+    <a:masterClrMapping/>
+  </p:clrMapOvr>
+</p:sld>
+</file>
+
 <file path=ppt/slides/slide43.xml><?xml version="1.0" encoding="utf-8"?>
 <p:sld xmlns:a="http://schemas.openxmlformats.org/drawingml/2006/main" xmlns:r="http://schemas.openxmlformats.org/officeDocument/2006/relationships" xmlns:p="http://schemas.openxmlformats.org/presentationml/2006/main">
   <p:cSld>
@@ -29612,272 +29632,6 @@
           <p:cNvPr id="2" name="Title 1">
             <a:extLst>
               <a:ext uri="{FF2B5EF4-FFF2-40B4-BE49-F238E27FC236}">
-                <a16:creationId xmlns:a16="http://schemas.microsoft.com/office/drawing/2014/main" id="{F2274B94-1DC1-7A87-E38B-8A3090D5FCD1}"/>
-              </a:ext>
-            </a:extLst>
-          </p:cNvPr>
-          <p:cNvSpPr>
-            <a:spLocks noGrp="1"/>
-          </p:cNvSpPr>
-          <p:nvPr>
-            <p:ph type="title"/>
-          </p:nvPr>
-        </p:nvSpPr>
-        <p:spPr/>
-        <p:txBody>
-          <a:bodyPr/>
-          <a:lstStyle/>
-          <a:p>
-            <a:r>
-              <a:rPr lang="en-US" dirty="0"/>
-              <a:t>Q &amp; A</a:t>
-            </a:r>
-          </a:p>
-        </p:txBody>
-      </p:sp>
-      <p:sp>
-        <p:nvSpPr>
-          <p:cNvPr id="3" name="Text Placeholder 2">
-            <a:extLst>
-              <a:ext uri="{FF2B5EF4-FFF2-40B4-BE49-F238E27FC236}">
-                <a16:creationId xmlns:a16="http://schemas.microsoft.com/office/drawing/2014/main" id="{82CA4AFC-8DCA-8546-CD70-1980E0082CB3}"/>
-              </a:ext>
-            </a:extLst>
-          </p:cNvPr>
-          <p:cNvSpPr>
-            <a:spLocks noGrp="1"/>
-          </p:cNvSpPr>
-          <p:nvPr>
-            <p:ph type="body" idx="1"/>
-          </p:nvPr>
-        </p:nvSpPr>
-        <p:spPr/>
-        <p:txBody>
-          <a:bodyPr/>
-          <a:lstStyle/>
-          <a:p>
-            <a:endParaRPr lang="en-US"/>
-          </a:p>
-        </p:txBody>
-      </p:sp>
-      <p:sp>
-        <p:nvSpPr>
-          <p:cNvPr id="4" name="Content Placeholder 3">
-            <a:extLst>
-              <a:ext uri="{FF2B5EF4-FFF2-40B4-BE49-F238E27FC236}">
-                <a16:creationId xmlns:a16="http://schemas.microsoft.com/office/drawing/2014/main" id="{9F699A8B-BB5B-BC60-3AD8-9D329C40C0C6}"/>
-              </a:ext>
-            </a:extLst>
-          </p:cNvPr>
-          <p:cNvSpPr>
-            <a:spLocks noGrp="1"/>
-          </p:cNvSpPr>
-          <p:nvPr>
-            <p:ph sz="half" idx="2"/>
-          </p:nvPr>
-        </p:nvSpPr>
-        <p:spPr/>
-        <p:txBody>
-          <a:bodyPr/>
-          <a:lstStyle/>
-          <a:p>
-            <a:r>
-              <a:rPr lang="en-US" dirty="0"/>
-              <a:t>Why GGMR is necessary</a:t>
-            </a:r>
-          </a:p>
-          <a:p>
-            <a:r>
-              <a:rPr lang="en-US" dirty="0"/>
-              <a:t>Have you tried other features for GGMR?</a:t>
-            </a:r>
-          </a:p>
-        </p:txBody>
-      </p:sp>
-      <p:sp>
-        <p:nvSpPr>
-          <p:cNvPr id="5" name="Text Placeholder 4">
-            <a:extLst>
-              <a:ext uri="{FF2B5EF4-FFF2-40B4-BE49-F238E27FC236}">
-                <a16:creationId xmlns:a16="http://schemas.microsoft.com/office/drawing/2014/main" id="{5FA7353E-832B-6F1E-309E-40189D99E26A}"/>
-              </a:ext>
-            </a:extLst>
-          </p:cNvPr>
-          <p:cNvSpPr>
-            <a:spLocks noGrp="1"/>
-          </p:cNvSpPr>
-          <p:nvPr>
-            <p:ph type="body" sz="quarter" idx="3"/>
-          </p:nvPr>
-        </p:nvSpPr>
-        <p:spPr/>
-        <p:txBody>
-          <a:bodyPr/>
-          <a:lstStyle/>
-          <a:p>
-            <a:endParaRPr lang="en-US"/>
-          </a:p>
-        </p:txBody>
-      </p:sp>
-      <p:sp>
-        <p:nvSpPr>
-          <p:cNvPr id="6" name="Content Placeholder 5">
-            <a:extLst>
-              <a:ext uri="{FF2B5EF4-FFF2-40B4-BE49-F238E27FC236}">
-                <a16:creationId xmlns:a16="http://schemas.microsoft.com/office/drawing/2014/main" id="{A5BD6736-C342-EED0-DD34-4628A95EE2AD}"/>
-              </a:ext>
-            </a:extLst>
-          </p:cNvPr>
-          <p:cNvSpPr>
-            <a:spLocks noGrp="1"/>
-          </p:cNvSpPr>
-          <p:nvPr>
-            <p:ph sz="quarter" idx="4"/>
-          </p:nvPr>
-        </p:nvSpPr>
-        <p:spPr/>
-        <p:txBody>
-          <a:bodyPr/>
-          <a:lstStyle/>
-          <a:p>
-            <a:endParaRPr lang="en-US"/>
-          </a:p>
-        </p:txBody>
-      </p:sp>
-      <p:sp>
-        <p:nvSpPr>
-          <p:cNvPr id="7" name="Date Placeholder 6">
-            <a:extLst>
-              <a:ext uri="{FF2B5EF4-FFF2-40B4-BE49-F238E27FC236}">
-                <a16:creationId xmlns:a16="http://schemas.microsoft.com/office/drawing/2014/main" id="{47D5D287-2469-BBCC-D487-468A9F9113F7}"/>
-              </a:ext>
-            </a:extLst>
-          </p:cNvPr>
-          <p:cNvSpPr>
-            <a:spLocks noGrp="1"/>
-          </p:cNvSpPr>
-          <p:nvPr>
-            <p:ph type="dt" sz="half" idx="10"/>
-          </p:nvPr>
-        </p:nvSpPr>
-        <p:spPr/>
-        <p:txBody>
-          <a:bodyPr/>
-          <a:lstStyle/>
-          <a:p>
-            <a:pPr>
-              <a:defRPr/>
-            </a:pPr>
-            <a:r>
-              <a:rPr lang="en-US"/>
-              <a:t>July 11-14, 2022</a:t>
-            </a:r>
-            <a:endParaRPr lang="en-US" dirty="0"/>
-          </a:p>
-        </p:txBody>
-      </p:sp>
-      <p:sp>
-        <p:nvSpPr>
-          <p:cNvPr id="8" name="Slide Number Placeholder 7">
-            <a:extLst>
-              <a:ext uri="{FF2B5EF4-FFF2-40B4-BE49-F238E27FC236}">
-                <a16:creationId xmlns:a16="http://schemas.microsoft.com/office/drawing/2014/main" id="{E3C6EAE1-4966-3B02-3E26-46F10D6350C0}"/>
-              </a:ext>
-            </a:extLst>
-          </p:cNvPr>
-          <p:cNvSpPr>
-            <a:spLocks noGrp="1"/>
-          </p:cNvSpPr>
-          <p:nvPr>
-            <p:ph type="sldNum" sz="quarter" idx="11"/>
-          </p:nvPr>
-        </p:nvSpPr>
-        <p:spPr/>
-        <p:txBody>
-          <a:bodyPr/>
-          <a:lstStyle/>
-          <a:p>
-            <a:pPr>
-              <a:defRPr/>
-            </a:pPr>
-            <a:fld id="{1E57C62F-2C2C-45E4-AC87-915A63DE9F1F}" type="slidenum">
-              <a:rPr lang="en-US" smtClean="0"/>
-              <a:pPr>
-                <a:defRPr/>
-              </a:pPr>
-              <a:t>43</a:t>
-            </a:fld>
-            <a:endParaRPr lang="en-US"/>
-          </a:p>
-        </p:txBody>
-      </p:sp>
-      <p:sp>
-        <p:nvSpPr>
-          <p:cNvPr id="9" name="Footer Placeholder 8">
-            <a:extLst>
-              <a:ext uri="{FF2B5EF4-FFF2-40B4-BE49-F238E27FC236}">
-                <a16:creationId xmlns:a16="http://schemas.microsoft.com/office/drawing/2014/main" id="{78FF2B4D-1A41-0EDF-FE42-D51735A86F14}"/>
-              </a:ext>
-            </a:extLst>
-          </p:cNvPr>
-          <p:cNvSpPr>
-            <a:spLocks noGrp="1"/>
-          </p:cNvSpPr>
-          <p:nvPr>
-            <p:ph type="ftr" sz="quarter" idx="12"/>
-          </p:nvPr>
-        </p:nvSpPr>
-        <p:spPr/>
-        <p:txBody>
-          <a:bodyPr/>
-          <a:lstStyle/>
-          <a:p>
-            <a:pPr>
-              <a:defRPr/>
-            </a:pPr>
-            <a:r>
-              <a:rPr lang="en-US"/>
-              <a:t>2022 Herrick Conferences</a:t>
-            </a:r>
-            <a:endParaRPr lang="en-US" dirty="0"/>
-          </a:p>
-        </p:txBody>
-      </p:sp>
-    </p:spTree>
-    <p:extLst>
-      <p:ext uri="{BB962C8B-B14F-4D97-AF65-F5344CB8AC3E}">
-        <p14:creationId xmlns:p14="http://schemas.microsoft.com/office/powerpoint/2010/main" val="3953193744"/>
-      </p:ext>
-    </p:extLst>
-  </p:cSld>
-  <p:clrMapOvr>
-    <a:masterClrMapping/>
-  </p:clrMapOvr>
-</p:sld>
-</file>
-
-<file path=ppt/slides/slide44.xml><?xml version="1.0" encoding="utf-8"?>
-<p:sld xmlns:a="http://schemas.openxmlformats.org/drawingml/2006/main" xmlns:r="http://schemas.openxmlformats.org/officeDocument/2006/relationships" xmlns:p="http://schemas.openxmlformats.org/presentationml/2006/main">
-  <p:cSld>
-    <p:spTree>
-      <p:nvGrpSpPr>
-        <p:cNvPr id="1" name=""/>
-        <p:cNvGrpSpPr/>
-        <p:nvPr/>
-      </p:nvGrpSpPr>
-      <p:grpSpPr>
-        <a:xfrm>
-          <a:off x="0" y="0"/>
-          <a:ext cx="0" cy="0"/>
-          <a:chOff x="0" y="0"/>
-          <a:chExt cx="0" cy="0"/>
-        </a:xfrm>
-      </p:grpSpPr>
-      <p:sp>
-        <p:nvSpPr>
-          <p:cNvPr id="2" name="Title 1">
-            <a:extLst>
-              <a:ext uri="{FF2B5EF4-FFF2-40B4-BE49-F238E27FC236}">
                 <a16:creationId xmlns:a16="http://schemas.microsoft.com/office/drawing/2014/main" id="{9F2E029A-92CE-915B-A7B9-6A7E72A2CDA0}"/>
               </a:ext>
             </a:extLst>
@@ -29984,7 +29738,7 @@
               <a:pPr>
                 <a:defRPr/>
               </a:pPr>
-              <a:t>44</a:t>
+              <a:t>43</a:t>
             </a:fld>
             <a:endParaRPr lang="en-US"/>
           </a:p>
